--- a/Comptes rendus/Tests d’integration -- presentation finale projet.pptx
+++ b/Comptes rendus/Tests d’integration -- presentation finale projet.pptx
@@ -10,6 +10,7 @@
     <p:sldId id="258" r:id="rId4"/>
     <p:sldId id="259" r:id="rId5"/>
     <p:sldId id="260" r:id="rId6"/>
+    <p:sldId id="261" r:id="rId7"/>
   </p:sldIdLst>
   <p:sldSz cx="9144000" cy="6858000" type="screen4x3"/>
   <p:notesSz cx="6858000" cy="9144000"/>
@@ -3596,11 +3597,7 @@
           <a:p>
             <a:r>
               <a:rPr lang="fr-FR" dirty="0" smtClean="0"/>
-              <a:t>Tests d’</a:t>
-            </a:r>
-            <a:r>
-              <a:rPr lang="fr-FR" dirty="0" err="1" smtClean="0"/>
-              <a:t>integration</a:t>
+              <a:t>Tests Unitaires - Intégration</a:t>
             </a:r>
             <a:endParaRPr lang="fr-FR" dirty="0"/>
           </a:p>
@@ -3730,7 +3727,15 @@
           <a:p>
             <a:r>
               <a:rPr lang="fr-FR" dirty="0" smtClean="0"/>
-              <a:t>Quelques test effectués:</a:t>
+              <a:t>Quelques </a:t>
+            </a:r>
+            <a:r>
+              <a:rPr lang="fr-FR" dirty="0" smtClean="0"/>
+              <a:t>test d’intégration </a:t>
+            </a:r>
+            <a:r>
+              <a:rPr lang="fr-FR" dirty="0" smtClean="0"/>
+              <a:t>effectués:</a:t>
             </a:r>
             <a:endParaRPr lang="fr-FR" dirty="0"/>
           </a:p>
@@ -4056,6 +4061,89 @@
           <a:lstStyle/>
           <a:p>
             <a:endParaRPr lang="fr-FR"/>
+          </a:p>
+        </p:txBody>
+      </p:sp>
+    </p:spTree>
+  </p:cSld>
+  <p:clrMapOvr>
+    <a:masterClrMapping/>
+  </p:clrMapOvr>
+</p:sld>
+</file>
+
+<file path=ppt/slides/slide6.xml><?xml version="1.0" encoding="utf-8"?>
+<p:sld xmlns:a="http://schemas.openxmlformats.org/drawingml/2006/main" xmlns:r="http://schemas.openxmlformats.org/officeDocument/2006/relationships" xmlns:p="http://schemas.openxmlformats.org/presentationml/2006/main">
+  <p:cSld>
+    <p:spTree>
+      <p:nvGrpSpPr>
+        <p:cNvPr id="1" name=""/>
+        <p:cNvGrpSpPr/>
+        <p:nvPr/>
+      </p:nvGrpSpPr>
+      <p:grpSpPr>
+        <a:xfrm>
+          <a:off x="0" y="0"/>
+          <a:ext cx="0" cy="0"/>
+          <a:chOff x="0" y="0"/>
+          <a:chExt cx="0" cy="0"/>
+        </a:xfrm>
+      </p:grpSpPr>
+      <p:sp>
+        <p:nvSpPr>
+          <p:cNvPr id="2" name="Titre 1"/>
+          <p:cNvSpPr>
+            <a:spLocks noGrp="1"/>
+          </p:cNvSpPr>
+          <p:nvPr>
+            <p:ph type="title"/>
+          </p:nvPr>
+        </p:nvSpPr>
+        <p:spPr/>
+        <p:txBody>
+          <a:bodyPr/>
+          <a:lstStyle/>
+          <a:p>
+            <a:r>
+              <a:rPr lang="fr-FR" dirty="0" smtClean="0"/>
+              <a:t>GIT USE </a:t>
+            </a:r>
+            <a:r>
+              <a:rPr lang="fr-FR" dirty="0" smtClean="0">
+                <a:sym typeface="Wingdings" pitchFamily="2" charset="2"/>
+              </a:rPr>
+              <a:t></a:t>
+            </a:r>
+            <a:endParaRPr lang="fr-FR" dirty="0"/>
+          </a:p>
+        </p:txBody>
+      </p:sp>
+      <p:sp>
+        <p:nvSpPr>
+          <p:cNvPr id="3" name="Espace réservé du contenu 2"/>
+          <p:cNvSpPr>
+            <a:spLocks noGrp="1"/>
+          </p:cNvSpPr>
+          <p:nvPr>
+            <p:ph idx="1"/>
+          </p:nvPr>
+        </p:nvSpPr>
+        <p:spPr/>
+        <p:txBody>
+          <a:bodyPr/>
+          <a:lstStyle/>
+          <a:p>
+            <a:r>
+              <a:rPr lang="fr-FR" dirty="0" smtClean="0"/>
+              <a:t>Petit conseil, GIT EST SUPER UTILE, UTILISEZ LE !! </a:t>
+            </a:r>
+            <a:r>
+              <a:rPr lang="fr-FR" dirty="0" smtClean="0">
+                <a:sym typeface="Wingdings" pitchFamily="2" charset="2"/>
+              </a:rPr>
+              <a:t></a:t>
+            </a:r>
+            <a:endParaRPr lang="fr-FR" dirty="0"/>
           </a:p>
         </p:txBody>
       </p:sp>
